--- a/工作日報_葉柏漢/2021.09/2021.09.23(加班)_2021.09.24工作日報_葉柏漢.pptx
+++ b/工作日報_葉柏漢/2021.09/2021.09.23(加班)_2021.09.24工作日報_葉柏漢.pptx
@@ -213,7 +213,7 @@
           <a:p>
             <a:fld id="{5F45278C-940B-4C39-9CBC-669F45D4F0E2}" type="datetimeFigureOut">
               <a:rPr lang="zh-CN" altLang="en-US" smtClean="0"/>
-              <a:t>2021/9/23</a:t>
+              <a:t>2021/9/24</a:t>
             </a:fld>
             <a:endParaRPr lang="zh-CN" altLang="en-US"/>
           </a:p>
@@ -610,7 +610,7 @@
           <a:p>
             <a:fld id="{D997B5FA-0921-464F-AAE1-844C04324D75}" type="datetimeFigureOut">
               <a:rPr lang="zh-CN" altLang="en-US" smtClean="0"/>
-              <a:t>2021/9/23</a:t>
+              <a:t>2021/9/24</a:t>
             </a:fld>
             <a:endParaRPr lang="zh-CN" altLang="en-US"/>
           </a:p>
@@ -790,7 +790,7 @@
           <a:p>
             <a:fld id="{D997B5FA-0921-464F-AAE1-844C04324D75}" type="datetimeFigureOut">
               <a:rPr lang="zh-CN" altLang="en-US" smtClean="0"/>
-              <a:t>2021/9/23</a:t>
+              <a:t>2021/9/24</a:t>
             </a:fld>
             <a:endParaRPr lang="zh-CN" altLang="en-US"/>
           </a:p>
@@ -980,7 +980,7 @@
           <a:p>
             <a:fld id="{D997B5FA-0921-464F-AAE1-844C04324D75}" type="datetimeFigureOut">
               <a:rPr lang="zh-CN" altLang="en-US" smtClean="0"/>
-              <a:t>2021/9/23</a:t>
+              <a:t>2021/9/24</a:t>
             </a:fld>
             <a:endParaRPr lang="zh-CN" altLang="en-US"/>
           </a:p>
@@ -1191,7 +1191,7 @@
                 </a:solidFill>
               </a:rPr>
               <a:pPr/>
-              <a:t>2021/9/23</a:t>
+              <a:t>2021/9/24</a:t>
             </a:fld>
             <a:endParaRPr lang="zh-CN" altLang="en-US">
               <a:solidFill>
@@ -1423,7 +1423,7 @@
                 </a:solidFill>
               </a:rPr>
               <a:pPr/>
-              <a:t>2021/9/23</a:t>
+              <a:t>2021/9/24</a:t>
             </a:fld>
             <a:endParaRPr lang="zh-CN" altLang="en-US">
               <a:solidFill>
@@ -1654,7 +1654,7 @@
           <a:p>
             <a:fld id="{D997B5FA-0921-464F-AAE1-844C04324D75}" type="datetimeFigureOut">
               <a:rPr lang="zh-CN" altLang="en-US" smtClean="0"/>
-              <a:t>2021/9/23</a:t>
+              <a:t>2021/9/24</a:t>
             </a:fld>
             <a:endParaRPr lang="zh-CN" altLang="en-US"/>
           </a:p>
@@ -1911,7 +1911,7 @@
           <a:p>
             <a:fld id="{D997B5FA-0921-464F-AAE1-844C04324D75}" type="datetimeFigureOut">
               <a:rPr lang="zh-CN" altLang="en-US" smtClean="0"/>
-              <a:t>2021/9/23</a:t>
+              <a:t>2021/9/24</a:t>
             </a:fld>
             <a:endParaRPr lang="zh-CN" altLang="en-US"/>
           </a:p>
@@ -2152,7 +2152,7 @@
           <a:p>
             <a:fld id="{D997B5FA-0921-464F-AAE1-844C04324D75}" type="datetimeFigureOut">
               <a:rPr lang="zh-CN" altLang="en-US" smtClean="0"/>
-              <a:t>2021/9/23</a:t>
+              <a:t>2021/9/24</a:t>
             </a:fld>
             <a:endParaRPr lang="zh-CN" altLang="en-US"/>
           </a:p>
@@ -2528,7 +2528,7 @@
           <a:p>
             <a:fld id="{D997B5FA-0921-464F-AAE1-844C04324D75}" type="datetimeFigureOut">
               <a:rPr lang="zh-CN" altLang="en-US" smtClean="0"/>
-              <a:t>2021/9/23</a:t>
+              <a:t>2021/9/24</a:t>
             </a:fld>
             <a:endParaRPr lang="zh-CN" altLang="en-US"/>
           </a:p>
@@ -2782,7 +2782,7 @@
           <a:p>
             <a:fld id="{D997B5FA-0921-464F-AAE1-844C04324D75}" type="datetimeFigureOut">
               <a:rPr lang="zh-CN" altLang="en-US" smtClean="0"/>
-              <a:t>2021/9/23</a:t>
+              <a:t>2021/9/24</a:t>
             </a:fld>
             <a:endParaRPr lang="zh-CN" altLang="en-US"/>
           </a:p>
@@ -2889,7 +2889,7 @@
           <a:p>
             <a:fld id="{D997B5FA-0921-464F-AAE1-844C04324D75}" type="datetimeFigureOut">
               <a:rPr lang="zh-CN" altLang="en-US" smtClean="0"/>
-              <a:t>2021/9/23</a:t>
+              <a:t>2021/9/24</a:t>
             </a:fld>
             <a:endParaRPr lang="zh-CN" altLang="en-US"/>
           </a:p>
@@ -3176,7 +3176,7 @@
           <a:p>
             <a:fld id="{D997B5FA-0921-464F-AAE1-844C04324D75}" type="datetimeFigureOut">
               <a:rPr lang="zh-CN" altLang="en-US" smtClean="0"/>
-              <a:t>2021/9/23</a:t>
+              <a:t>2021/9/24</a:t>
             </a:fld>
             <a:endParaRPr lang="zh-CN" altLang="en-US"/>
           </a:p>
@@ -3440,7 +3440,7 @@
           <a:p>
             <a:fld id="{D997B5FA-0921-464F-AAE1-844C04324D75}" type="datetimeFigureOut">
               <a:rPr lang="zh-CN" altLang="en-US" smtClean="0"/>
-              <a:t>2021/9/23</a:t>
+              <a:t>2021/9/24</a:t>
             </a:fld>
             <a:endParaRPr lang="zh-CN" altLang="en-US"/>
           </a:p>
@@ -3666,7 +3666,7 @@
           <a:p>
             <a:fld id="{D997B5FA-0921-464F-AAE1-844C04324D75}" type="datetimeFigureOut">
               <a:rPr lang="zh-CN" altLang="en-US" smtClean="0"/>
-              <a:t>2021/9/23</a:t>
+              <a:t>2021/9/24</a:t>
             </a:fld>
             <a:endParaRPr lang="zh-CN" altLang="en-US"/>
           </a:p>
@@ -4385,7 +4385,7 @@
         </p:nvSpPr>
         <p:spPr>
           <a:xfrm rot="2684577">
-            <a:off x="1698063" y="-917755"/>
+            <a:off x="1749244" y="-915165"/>
             <a:ext cx="8693513" cy="8693513"/>
           </a:xfrm>
           <a:prstGeom prst="roundRect">
@@ -5195,7 +5195,7 @@
                   <a:cs typeface="+mn-ea"/>
                   <a:sym typeface="+mn-lt"/>
                 </a:rPr>
-                <a:t>18:00~19:00</a:t>
+                <a:t>18:00~20:00</a:t>
               </a:r>
               <a:endParaRPr lang="en-US" altLang="zh-CN" sz="1400" dirty="0" smtClean="0">
                 <a:cs typeface="+mn-ea"/>
@@ -5824,7 +5824,7 @@
         <p:spPr>
           <a:xfrm>
             <a:off x="213983" y="2681640"/>
-            <a:ext cx="6480116" cy="400110"/>
+            <a:ext cx="6480116" cy="1323439"/>
           </a:xfrm>
           <a:prstGeom prst="rect">
             <a:avLst/>
@@ -5846,7 +5846,7 @@
                 <a:cs typeface="+mn-ea"/>
                 <a:sym typeface="+mn-lt"/>
               </a:rPr>
-              <a:t>修復披覆材料</a:t>
+              <a:t>修復溫室型式設計</a:t>
             </a:r>
             <a:r>
               <a:rPr lang="en-US" altLang="zh-TW" sz="2000" spc="400" dirty="0" smtClean="0">
@@ -5860,6 +5860,20 @@
                 <a:cs typeface="+mn-ea"/>
                 <a:sym typeface="+mn-lt"/>
               </a:rPr>
+              <a:t>未修改完</a:t>
+            </a:r>
+            <a:r>
+              <a:rPr lang="en-US" altLang="zh-TW" sz="2000" spc="400" dirty="0" smtClean="0">
+                <a:cs typeface="+mn-ea"/>
+                <a:sym typeface="+mn-lt"/>
+              </a:rPr>
+              <a:t>)(</a:t>
+            </a:r>
+            <a:r>
+              <a:rPr lang="zh-TW" altLang="en-US" sz="2000" spc="400" dirty="0" smtClean="0">
+                <a:cs typeface="+mn-ea"/>
+                <a:sym typeface="+mn-lt"/>
+              </a:rPr>
               <a:t>加班</a:t>
             </a:r>
             <a:r>
@@ -5869,6 +5883,68 @@
               </a:rPr>
               <a:t>)</a:t>
             </a:r>
+          </a:p>
+          <a:p>
+            <a:pPr marL="342900" indent="-342900">
+              <a:buFont typeface="Wingdings" panose="05000000000000000000" pitchFamily="2" charset="2"/>
+              <a:buChar char="l"/>
+            </a:pPr>
+            <a:endParaRPr lang="en-US" altLang="zh-TW" sz="2000" spc="400" dirty="0">
+              <a:cs typeface="+mn-ea"/>
+              <a:sym typeface="+mn-lt"/>
+            </a:endParaRPr>
+          </a:p>
+          <a:p>
+            <a:pPr marL="342900" indent="-342900">
+              <a:buFont typeface="Wingdings" panose="05000000000000000000" pitchFamily="2" charset="2"/>
+              <a:buChar char="l"/>
+            </a:pPr>
+            <a:r>
+              <a:rPr lang="zh-TW" altLang="en-US" sz="2000" spc="400" dirty="0" smtClean="0">
+                <a:cs typeface="+mn-ea"/>
+                <a:sym typeface="+mn-lt"/>
+              </a:rPr>
+              <a:t>修復</a:t>
+            </a:r>
+            <a:r>
+              <a:rPr lang="zh-TW" altLang="en-US" sz="2000" spc="400" dirty="0">
+                <a:cs typeface="+mn-ea"/>
+                <a:sym typeface="+mn-lt"/>
+              </a:rPr>
+              <a:t>溫室型式設計</a:t>
+            </a:r>
+            <a:r>
+              <a:rPr lang="en-US" altLang="zh-TW" sz="2000" spc="400" dirty="0" smtClean="0">
+                <a:cs typeface="+mn-ea"/>
+                <a:sym typeface="+mn-lt"/>
+              </a:rPr>
+              <a:t>bug</a:t>
+            </a:r>
+            <a:r>
+              <a:rPr lang="en-US" altLang="zh-TW" sz="2000" spc="400" dirty="0" smtClean="0">
+                <a:cs typeface="+mn-ea"/>
+                <a:sym typeface="+mn-lt"/>
+              </a:rPr>
+              <a:t>(</a:t>
+            </a:r>
+            <a:r>
+              <a:rPr lang="zh-TW" altLang="en-US" sz="2000" spc="400" dirty="0" smtClean="0">
+                <a:cs typeface="+mn-ea"/>
+                <a:sym typeface="+mn-lt"/>
+              </a:rPr>
+              <a:t>修改完簡易溫室的部分</a:t>
+            </a:r>
+            <a:r>
+              <a:rPr lang="en-US" altLang="zh-TW" sz="2000" spc="400" dirty="0" smtClean="0">
+                <a:cs typeface="+mn-ea"/>
+                <a:sym typeface="+mn-lt"/>
+              </a:rPr>
+              <a:t>)</a:t>
+            </a:r>
+            <a:endParaRPr lang="en-US" altLang="zh-TW" sz="2000" spc="400" dirty="0" smtClean="0">
+              <a:cs typeface="+mn-ea"/>
+              <a:sym typeface="+mn-lt"/>
+            </a:endParaRPr>
           </a:p>
         </p:txBody>
       </p:sp>
@@ -6198,7 +6274,14 @@
                   <a:cs typeface="+mn-ea"/>
                   <a:sym typeface="+mn-lt"/>
                 </a:rPr>
-                <a:t>明日預期規劃</a:t>
+                <a:t>修改</a:t>
+              </a:r>
+              <a:r>
+                <a:rPr lang="en-US" altLang="zh-TW" sz="4000" dirty="0" smtClean="0">
+                  <a:cs typeface="+mn-ea"/>
+                  <a:sym typeface="+mn-lt"/>
+                </a:rPr>
+                <a:t>bug</a:t>
               </a:r>
               <a:endParaRPr lang="zh-CN" altLang="en-US" sz="4000" dirty="0">
                 <a:cs typeface="+mn-ea"/>
@@ -6709,11 +6792,18 @@
             <a:p>
               <a:pPr algn="ctr"/>
               <a:r>
-                <a:rPr lang="zh-TW" altLang="en-US" sz="4000" dirty="0" smtClean="0">
+                <a:rPr lang="zh-TW" altLang="en-US" sz="4000" dirty="0">
                   <a:cs typeface="+mn-ea"/>
                   <a:sym typeface="+mn-lt"/>
                 </a:rPr>
-                <a:t>明日預期規劃</a:t>
+                <a:t>修改</a:t>
+              </a:r>
+              <a:r>
+                <a:rPr lang="en-US" altLang="zh-TW" sz="4000" dirty="0">
+                  <a:cs typeface="+mn-ea"/>
+                  <a:sym typeface="+mn-lt"/>
+                </a:rPr>
+                <a:t>bug</a:t>
               </a:r>
               <a:endParaRPr lang="zh-CN" altLang="en-US" sz="4000" dirty="0">
                 <a:cs typeface="+mn-ea"/>
@@ -6773,6 +6863,156 @@
           </p:txBody>
         </p:sp>
       </p:grpSp>
+      <p:pic>
+        <p:nvPicPr>
+          <p:cNvPr id="1026" name="Picture 2"/>
+          <p:cNvPicPr>
+            <a:picLocks noChangeAspect="1" noChangeArrowheads="1"/>
+          </p:cNvPicPr>
+          <p:nvPr/>
+        </p:nvPicPr>
+        <p:blipFill>
+          <a:blip r:embed="rId2">
+            <a:extLst>
+              <a:ext uri="{28A0092B-C50C-407E-A947-70E740481C1C}">
+                <a14:useLocalDpi xmlns:a14="http://schemas.microsoft.com/office/drawing/2010/main" val="0"/>
+              </a:ext>
+            </a:extLst>
+          </a:blip>
+          <a:srcRect/>
+          <a:stretch>
+            <a:fillRect/>
+          </a:stretch>
+        </p:blipFill>
+        <p:spPr bwMode="auto">
+          <a:xfrm>
+            <a:off x="1085215" y="1733007"/>
+            <a:ext cx="10116522" cy="4937074"/>
+          </a:xfrm>
+          <a:prstGeom prst="rect">
+            <a:avLst/>
+          </a:prstGeom>
+          <a:noFill/>
+          <a:ln>
+            <a:noFill/>
+          </a:ln>
+          <a:extLst>
+            <a:ext uri="{909E8E84-426E-40DD-AFC4-6F175D3DCCD1}">
+              <a14:hiddenFill xmlns:a14="http://schemas.microsoft.com/office/drawing/2010/main">
+                <a:solidFill>
+                  <a:schemeClr val="accent1"/>
+                </a:solidFill>
+              </a14:hiddenFill>
+            </a:ext>
+            <a:ext uri="{91240B29-F687-4F45-9708-019B960494DF}">
+              <a14:hiddenLine xmlns:a14="http://schemas.microsoft.com/office/drawing/2010/main" w="9525">
+                <a:solidFill>
+                  <a:schemeClr val="tx1"/>
+                </a:solidFill>
+                <a:miter lim="800000"/>
+                <a:headEnd/>
+                <a:tailEnd/>
+              </a14:hiddenLine>
+            </a:ext>
+          </a:extLst>
+        </p:spPr>
+      </p:pic>
+      <p:sp>
+        <p:nvSpPr>
+          <p:cNvPr id="6" name="矩形 5"/>
+          <p:cNvSpPr/>
+          <p:nvPr/>
+        </p:nvSpPr>
+        <p:spPr>
+          <a:xfrm>
+            <a:off x="6358071" y="3067941"/>
+            <a:ext cx="4153256" cy="2469734"/>
+          </a:xfrm>
+          <a:prstGeom prst="rect">
+            <a:avLst/>
+          </a:prstGeom>
+        </p:spPr>
+        <p:style>
+          <a:lnRef idx="2">
+            <a:schemeClr val="accent1">
+              <a:shade val="50000"/>
+            </a:schemeClr>
+          </a:lnRef>
+          <a:fillRef idx="1">
+            <a:schemeClr val="accent1"/>
+          </a:fillRef>
+          <a:effectRef idx="0">
+            <a:schemeClr val="accent1"/>
+          </a:effectRef>
+          <a:fontRef idx="minor">
+            <a:schemeClr val="lt1"/>
+          </a:fontRef>
+        </p:style>
+        <p:txBody>
+          <a:bodyPr rtlCol="0" anchor="ctr"/>
+          <a:lstStyle/>
+          <a:p>
+            <a:pPr algn="ctr"/>
+            <a:endParaRPr lang="zh-TW" altLang="en-US"/>
+          </a:p>
+        </p:txBody>
+      </p:sp>
+      <p:sp>
+        <p:nvSpPr>
+          <p:cNvPr id="7" name="文字方塊 6"/>
+          <p:cNvSpPr txBox="1"/>
+          <p:nvPr/>
+        </p:nvSpPr>
+        <p:spPr>
+          <a:xfrm>
+            <a:off x="6417892" y="3221764"/>
+            <a:ext cx="3913973" cy="2031325"/>
+          </a:xfrm>
+          <a:prstGeom prst="rect">
+            <a:avLst/>
+          </a:prstGeom>
+          <a:noFill/>
+        </p:spPr>
+        <p:txBody>
+          <a:bodyPr wrap="square" rtlCol="0">
+            <a:spAutoFit/>
+          </a:bodyPr>
+          <a:lstStyle/>
+          <a:p>
+            <a:r>
+              <a:rPr lang="zh-TW" altLang="en-US" dirty="0"/>
+              <a:t>若使用者為新</a:t>
+            </a:r>
+            <a:r>
+              <a:rPr lang="zh-TW" altLang="en-US" dirty="0" smtClean="0"/>
+              <a:t>用戶，資料庫無相關資料，則系統在溫室型式設計頁面會自動新增一筆初始資料，讓使用者可以自由修改，修改的內容會更新到資料庫</a:t>
+            </a:r>
+            <a:r>
+              <a:rPr lang="zh-TW" altLang="en-US" dirty="0" smtClean="0"/>
+              <a:t>。</a:t>
+            </a:r>
+            <a:endParaRPr lang="en-US" altLang="zh-TW" dirty="0" smtClean="0"/>
+          </a:p>
+          <a:p>
+            <a:endParaRPr lang="en-US" altLang="zh-TW" dirty="0"/>
+          </a:p>
+          <a:p>
+            <a:r>
+              <a:rPr lang="zh-TW" altLang="en-US" dirty="0" smtClean="0"/>
+              <a:t>還有一些</a:t>
+            </a:r>
+            <a:r>
+              <a:rPr lang="en-US" altLang="zh-TW" dirty="0" smtClean="0"/>
+              <a:t>bug</a:t>
+            </a:r>
+            <a:r>
+              <a:rPr lang="zh-TW" altLang="en-US" dirty="0" smtClean="0"/>
+              <a:t>待修改</a:t>
+            </a:r>
+            <a:endParaRPr lang="zh-TW" altLang="en-US" dirty="0"/>
+          </a:p>
+        </p:txBody>
+      </p:sp>
     </p:spTree>
     <p:extLst>
       <p:ext uri="{BB962C8B-B14F-4D97-AF65-F5344CB8AC3E}">
